--- a/Livrables/Base de données/Présentation.pptx
+++ b/Livrables/Base de données/Présentation.pptx
@@ -114,13 +114,18 @@
       </a:defRPr>
     </a:lvl9pPr>
   </p:defaultTextStyle>
+  <p:extLst>
+    <p:ext uri="{EFAFB233-063F-42B5-8137-9DF3F51BA10A}">
+      <p15:sldGuideLst xmlns:p15="http://schemas.microsoft.com/office/powerpoint/2012/main"/>
+    </p:ext>
+  </p:extLst>
 </p:presentation>
 </file>
 
 <file path=ppt/revisionInfo.xml><?xml version="1.0" encoding="utf-8"?>
 <p1510:revInfo xmlns:a="http://schemas.openxmlformats.org/drawingml/2006/main" xmlns:r="http://schemas.openxmlformats.org/officeDocument/2006/relationships" xmlns:p1510="http://schemas.microsoft.com/office/powerpoint/2015/10/main">
   <p1510:revLst>
-    <p1510:client id="{3B5D6C86-8FB4-4941-8563-1BADF9CD3FD7}" v="20" dt="2022-12-16T08:29:27.845"/>
+    <p1510:client id="{0CA73394-47A5-4DB6-B6E7-B3F444B2425D}" v="18" dt="2023-01-05T22:23:42.005"/>
   </p1510:revLst>
 </p1510:revInfo>
 </file>
@@ -827,6 +832,110 @@
       </pc:sldChg>
     </pc:docChg>
   </pc:docChgLst>
+  <pc:docChgLst>
+    <pc:chgData name="Dargazanli Nicolas" userId="6f1267f1-35ab-4ac9-b258-8b769dedaf45" providerId="ADAL" clId="{0CA73394-47A5-4DB6-B6E7-B3F444B2425D}"/>
+    <pc:docChg chg="custSel modSld">
+      <pc:chgData name="Dargazanli Nicolas" userId="6f1267f1-35ab-4ac9-b258-8b769dedaf45" providerId="ADAL" clId="{0CA73394-47A5-4DB6-B6E7-B3F444B2425D}" dt="2023-01-05T22:23:42.005" v="21" actId="20577"/>
+      <pc:docMkLst>
+        <pc:docMk/>
+      </pc:docMkLst>
+      <pc:sldChg chg="addSp delSp modSp mod delAnim modAnim">
+        <pc:chgData name="Dargazanli Nicolas" userId="6f1267f1-35ab-4ac9-b258-8b769dedaf45" providerId="ADAL" clId="{0CA73394-47A5-4DB6-B6E7-B3F444B2425D}" dt="2023-01-05T22:23:42.005" v="21" actId="20577"/>
+        <pc:sldMkLst>
+          <pc:docMk/>
+          <pc:sldMk cId="4270650014" sldId="265"/>
+        </pc:sldMkLst>
+        <pc:spChg chg="add mod">
+          <ac:chgData name="Dargazanli Nicolas" userId="6f1267f1-35ab-4ac9-b258-8b769dedaf45" providerId="ADAL" clId="{0CA73394-47A5-4DB6-B6E7-B3F444B2425D}" dt="2023-01-05T22:20:54.998" v="0"/>
+          <ac:spMkLst>
+            <pc:docMk/>
+            <pc:sldMk cId="4270650014" sldId="265"/>
+            <ac:spMk id="3" creationId="{06BD455E-8E5A-9B2E-F0DF-874DC0CC98B0}"/>
+          </ac:spMkLst>
+        </pc:spChg>
+        <pc:spChg chg="add mod">
+          <ac:chgData name="Dargazanli Nicolas" userId="6f1267f1-35ab-4ac9-b258-8b769dedaf45" providerId="ADAL" clId="{0CA73394-47A5-4DB6-B6E7-B3F444B2425D}" dt="2023-01-05T22:20:54.998" v="0"/>
+          <ac:spMkLst>
+            <pc:docMk/>
+            <pc:sldMk cId="4270650014" sldId="265"/>
+            <ac:spMk id="7" creationId="{6845A543-052D-9BCD-0DF8-68422956F0EE}"/>
+          </ac:spMkLst>
+        </pc:spChg>
+        <pc:spChg chg="add mod">
+          <ac:chgData name="Dargazanli Nicolas" userId="6f1267f1-35ab-4ac9-b258-8b769dedaf45" providerId="ADAL" clId="{0CA73394-47A5-4DB6-B6E7-B3F444B2425D}" dt="2023-01-05T22:23:42.005" v="21" actId="20577"/>
+          <ac:spMkLst>
+            <pc:docMk/>
+            <pc:sldMk cId="4270650014" sldId="265"/>
+            <ac:spMk id="8" creationId="{765AE692-482D-0611-1126-5B7418F84A78}"/>
+          </ac:spMkLst>
+        </pc:spChg>
+        <pc:picChg chg="add mod">
+          <ac:chgData name="Dargazanli Nicolas" userId="6f1267f1-35ab-4ac9-b258-8b769dedaf45" providerId="ADAL" clId="{0CA73394-47A5-4DB6-B6E7-B3F444B2425D}" dt="2023-01-05T22:20:54.998" v="0"/>
+          <ac:picMkLst>
+            <pc:docMk/>
+            <pc:sldMk cId="4270650014" sldId="265"/>
+            <ac:picMk id="4" creationId="{703B0A0B-602F-E1CB-3EB8-A29DC68F7DED}"/>
+          </ac:picMkLst>
+        </pc:picChg>
+        <pc:picChg chg="add mod">
+          <ac:chgData name="Dargazanli Nicolas" userId="6f1267f1-35ab-4ac9-b258-8b769dedaf45" providerId="ADAL" clId="{0CA73394-47A5-4DB6-B6E7-B3F444B2425D}" dt="2023-01-05T22:20:54.998" v="0"/>
+          <ac:picMkLst>
+            <pc:docMk/>
+            <pc:sldMk cId="4270650014" sldId="265"/>
+            <ac:picMk id="6" creationId="{4D542F22-A356-7422-FB18-8DA772930451}"/>
+          </ac:picMkLst>
+        </pc:picChg>
+        <pc:picChg chg="add mod">
+          <ac:chgData name="Dargazanli Nicolas" userId="6f1267f1-35ab-4ac9-b258-8b769dedaf45" providerId="ADAL" clId="{0CA73394-47A5-4DB6-B6E7-B3F444B2425D}" dt="2023-01-05T22:20:54.998" v="0"/>
+          <ac:picMkLst>
+            <pc:docMk/>
+            <pc:sldMk cId="4270650014" sldId="265"/>
+            <ac:picMk id="9" creationId="{54C3B304-D94E-A36C-63AA-E4FE545542CC}"/>
+          </ac:picMkLst>
+        </pc:picChg>
+        <pc:picChg chg="add mod">
+          <ac:chgData name="Dargazanli Nicolas" userId="6f1267f1-35ab-4ac9-b258-8b769dedaf45" providerId="ADAL" clId="{0CA73394-47A5-4DB6-B6E7-B3F444B2425D}" dt="2023-01-05T22:20:54.998" v="0"/>
+          <ac:picMkLst>
+            <pc:docMk/>
+            <pc:sldMk cId="4270650014" sldId="265"/>
+            <ac:picMk id="10" creationId="{448ECB52-F62E-118E-6C64-36F486BC55D2}"/>
+          </ac:picMkLst>
+        </pc:picChg>
+        <pc:picChg chg="add mod">
+          <ac:chgData name="Dargazanli Nicolas" userId="6f1267f1-35ab-4ac9-b258-8b769dedaf45" providerId="ADAL" clId="{0CA73394-47A5-4DB6-B6E7-B3F444B2425D}" dt="2023-01-05T22:20:54.998" v="0"/>
+          <ac:picMkLst>
+            <pc:docMk/>
+            <pc:sldMk cId="4270650014" sldId="265"/>
+            <ac:picMk id="11" creationId="{5B230010-DC03-41FA-8B8E-F59804E5E3BB}"/>
+          </ac:picMkLst>
+        </pc:picChg>
+        <pc:picChg chg="add del mod">
+          <ac:chgData name="Dargazanli Nicolas" userId="6f1267f1-35ab-4ac9-b258-8b769dedaf45" providerId="ADAL" clId="{0CA73394-47A5-4DB6-B6E7-B3F444B2425D}" dt="2023-01-05T22:23:29.856" v="14" actId="478"/>
+          <ac:picMkLst>
+            <pc:docMk/>
+            <pc:sldMk cId="4270650014" sldId="265"/>
+            <ac:picMk id="12" creationId="{A8454D23-8653-1BC5-4CB6-A744DF99A7D8}"/>
+          </ac:picMkLst>
+        </pc:picChg>
+        <pc:picChg chg="add del mod">
+          <ac:chgData name="Dargazanli Nicolas" userId="6f1267f1-35ab-4ac9-b258-8b769dedaf45" providerId="ADAL" clId="{0CA73394-47A5-4DB6-B6E7-B3F444B2425D}" dt="2023-01-05T22:23:31.128" v="15" actId="478"/>
+          <ac:picMkLst>
+            <pc:docMk/>
+            <pc:sldMk cId="4270650014" sldId="265"/>
+            <ac:picMk id="13" creationId="{B41ED82D-7A9D-4C97-9930-19FD3C133F44}"/>
+          </ac:picMkLst>
+        </pc:picChg>
+        <pc:picChg chg="add mod">
+          <ac:chgData name="Dargazanli Nicolas" userId="6f1267f1-35ab-4ac9-b258-8b769dedaf45" providerId="ADAL" clId="{0CA73394-47A5-4DB6-B6E7-B3F444B2425D}" dt="2023-01-05T22:23:34.023" v="18" actId="1076"/>
+          <ac:picMkLst>
+            <pc:docMk/>
+            <pc:sldMk cId="4270650014" sldId="265"/>
+            <ac:picMk id="14" creationId="{90A74A2E-2544-41C5-F813-2B539DDB140C}"/>
+          </ac:picMkLst>
+        </pc:picChg>
+      </pc:sldChg>
+    </pc:docChg>
+  </pc:docChgLst>
 </pc:chgInfo>
 </file>
 
@@ -1015,7 +1124,7 @@
           <a:p>
             <a:fld id="{B49FDF12-06B5-4FF5-9E04-91034B046EE3}" type="datetimeFigureOut">
               <a:rPr lang="fr-FR" smtClean="0"/>
-              <a:t>16/12/2022</a:t>
+              <a:t>05/01/2023</a:t>
             </a:fld>
             <a:endParaRPr lang="fr-FR"/>
           </a:p>
@@ -1313,7 +1422,7 @@
           <a:p>
             <a:fld id="{B49FDF12-06B5-4FF5-9E04-91034B046EE3}" type="datetimeFigureOut">
               <a:rPr lang="fr-FR" smtClean="0"/>
-              <a:t>16/12/2022</a:t>
+              <a:t>05/01/2023</a:t>
             </a:fld>
             <a:endParaRPr lang="fr-FR"/>
           </a:p>
@@ -1505,7 +1614,7 @@
           <a:p>
             <a:fld id="{B49FDF12-06B5-4FF5-9E04-91034B046EE3}" type="datetimeFigureOut">
               <a:rPr lang="fr-FR" smtClean="0"/>
-              <a:t>16/12/2022</a:t>
+              <a:t>05/01/2023</a:t>
             </a:fld>
             <a:endParaRPr lang="fr-FR"/>
           </a:p>
@@ -1766,7 +1875,7 @@
           <a:p>
             <a:fld id="{B49FDF12-06B5-4FF5-9E04-91034B046EE3}" type="datetimeFigureOut">
               <a:rPr lang="fr-FR" smtClean="0"/>
-              <a:t>16/12/2022</a:t>
+              <a:t>05/01/2023</a:t>
             </a:fld>
             <a:endParaRPr lang="fr-FR"/>
           </a:p>
@@ -2190,7 +2299,7 @@
           <a:p>
             <a:fld id="{B49FDF12-06B5-4FF5-9E04-91034B046EE3}" type="datetimeFigureOut">
               <a:rPr lang="fr-FR" smtClean="0"/>
-              <a:t>16/12/2022</a:t>
+              <a:t>05/01/2023</a:t>
             </a:fld>
             <a:endParaRPr lang="fr-FR"/>
           </a:p>
@@ -2727,7 +2836,7 @@
           <a:p>
             <a:fld id="{B49FDF12-06B5-4FF5-9E04-91034B046EE3}" type="datetimeFigureOut">
               <a:rPr lang="fr-FR" smtClean="0"/>
-              <a:t>16/12/2022</a:t>
+              <a:t>05/01/2023</a:t>
             </a:fld>
             <a:endParaRPr lang="fr-FR"/>
           </a:p>
@@ -3591,7 +3700,7 @@
           <a:p>
             <a:fld id="{B49FDF12-06B5-4FF5-9E04-91034B046EE3}" type="datetimeFigureOut">
               <a:rPr lang="fr-FR" smtClean="0"/>
-              <a:t>16/12/2022</a:t>
+              <a:t>05/01/2023</a:t>
             </a:fld>
             <a:endParaRPr lang="fr-FR"/>
           </a:p>
@@ -3761,7 +3870,7 @@
           <a:p>
             <a:fld id="{B49FDF12-06B5-4FF5-9E04-91034B046EE3}" type="datetimeFigureOut">
               <a:rPr lang="fr-FR" smtClean="0"/>
-              <a:t>16/12/2022</a:t>
+              <a:t>05/01/2023</a:t>
             </a:fld>
             <a:endParaRPr lang="fr-FR"/>
           </a:p>
@@ -3945,7 +4054,7 @@
           <a:p>
             <a:fld id="{B49FDF12-06B5-4FF5-9E04-91034B046EE3}" type="datetimeFigureOut">
               <a:rPr lang="fr-FR" smtClean="0"/>
-              <a:t>16/12/2022</a:t>
+              <a:t>05/01/2023</a:t>
             </a:fld>
             <a:endParaRPr lang="fr-FR"/>
           </a:p>
@@ -4115,7 +4224,7 @@
           <a:p>
             <a:fld id="{B49FDF12-06B5-4FF5-9E04-91034B046EE3}" type="datetimeFigureOut">
               <a:rPr lang="fr-FR" smtClean="0"/>
-              <a:t>16/12/2022</a:t>
+              <a:t>05/01/2023</a:t>
             </a:fld>
             <a:endParaRPr lang="fr-FR"/>
           </a:p>
@@ -4359,7 +4468,7 @@
           <a:p>
             <a:fld id="{B49FDF12-06B5-4FF5-9E04-91034B046EE3}" type="datetimeFigureOut">
               <a:rPr lang="fr-FR" smtClean="0"/>
-              <a:t>16/12/2022</a:t>
+              <a:t>05/01/2023</a:t>
             </a:fld>
             <a:endParaRPr lang="fr-FR"/>
           </a:p>
@@ -4595,7 +4704,7 @@
           <a:p>
             <a:fld id="{B49FDF12-06B5-4FF5-9E04-91034B046EE3}" type="datetimeFigureOut">
               <a:rPr lang="fr-FR" smtClean="0"/>
-              <a:t>16/12/2022</a:t>
+              <a:t>05/01/2023</a:t>
             </a:fld>
             <a:endParaRPr lang="fr-FR"/>
           </a:p>
@@ -5061,7 +5170,7 @@
           <a:p>
             <a:fld id="{B49FDF12-06B5-4FF5-9E04-91034B046EE3}" type="datetimeFigureOut">
               <a:rPr lang="fr-FR" smtClean="0"/>
-              <a:t>16/12/2022</a:t>
+              <a:t>05/01/2023</a:t>
             </a:fld>
             <a:endParaRPr lang="fr-FR"/>
           </a:p>
@@ -5179,7 +5288,7 @@
           <a:p>
             <a:fld id="{B49FDF12-06B5-4FF5-9E04-91034B046EE3}" type="datetimeFigureOut">
               <a:rPr lang="fr-FR" smtClean="0"/>
-              <a:t>16/12/2022</a:t>
+              <a:t>05/01/2023</a:t>
             </a:fld>
             <a:endParaRPr lang="fr-FR"/>
           </a:p>
@@ -5274,7 +5383,7 @@
           <a:p>
             <a:fld id="{B49FDF12-06B5-4FF5-9E04-91034B046EE3}" type="datetimeFigureOut">
               <a:rPr lang="fr-FR" smtClean="0"/>
-              <a:t>16/12/2022</a:t>
+              <a:t>05/01/2023</a:t>
             </a:fld>
             <a:endParaRPr lang="fr-FR"/>
           </a:p>
@@ -5529,7 +5638,7 @@
           <a:p>
             <a:fld id="{B49FDF12-06B5-4FF5-9E04-91034B046EE3}" type="datetimeFigureOut">
               <a:rPr lang="fr-FR" smtClean="0"/>
-              <a:t>16/12/2022</a:t>
+              <a:t>05/01/2023</a:t>
             </a:fld>
             <a:endParaRPr lang="fr-FR"/>
           </a:p>
@@ -5829,7 +5938,7 @@
           <a:p>
             <a:fld id="{B49FDF12-06B5-4FF5-9E04-91034B046EE3}" type="datetimeFigureOut">
               <a:rPr lang="fr-FR" smtClean="0"/>
-              <a:t>16/12/2022</a:t>
+              <a:t>05/01/2023</a:t>
             </a:fld>
             <a:endParaRPr lang="fr-FR"/>
           </a:p>
@@ -6063,7 +6172,7 @@
           <a:p>
             <a:fld id="{B49FDF12-06B5-4FF5-9E04-91034B046EE3}" type="datetimeFigureOut">
               <a:rPr lang="fr-FR" smtClean="0"/>
-              <a:t>16/12/2022</a:t>
+              <a:t>05/01/2023</a:t>
             </a:fld>
             <a:endParaRPr lang="fr-FR"/>
           </a:p>
@@ -6999,7 +7108,7 @@
           </a:effectLst>
           <a:extLst>
             <a:ext uri="{91240B29-F687-4f45-9708-019B960494DF}">
-              <a14:hiddenLine xmlns="" xmlns:a14="http://schemas.microsoft.com/office/drawing/2010/main" xmlns:a16="http://schemas.microsoft.com/office/drawing/2014/main" xmlns:p14="http://schemas.microsoft.com/office/powerpoint/2010/main" w="9525">
+              <a14:hiddenLine xmlns:p14="http://schemas.microsoft.com/office/powerpoint/2010/main" xmlns:a16="http://schemas.microsoft.com/office/drawing/2014/main" xmlns:a14="http://schemas.microsoft.com/office/drawing/2010/main" xmlns="" w="9525">
                 <a:solidFill>
                   <a:srgbClr val="000000"/>
                 </a:solidFill>
@@ -7476,6 +7585,842 @@
           </a:xfrm>
         </p:spPr>
       </p:pic>
+      <p:sp useBgFill="1">
+        <p:nvSpPr>
+          <p:cNvPr id="3" name="Rectangle 2">
+            <a:extLst>
+              <a:ext uri="{FF2B5EF4-FFF2-40B4-BE49-F238E27FC236}">
+                <a16:creationId xmlns:a16="http://schemas.microsoft.com/office/drawing/2014/main" id="{06BD455E-8E5A-9B2E-F0DF-874DC0CC98B0}"/>
+              </a:ext>
+              <a:ext uri="{C183D7F6-B498-43B3-948B-1728B52AA6E4}">
+                <adec:decorative xmlns:adec="http://schemas.microsoft.com/office/drawing/2017/decorative" val="1"/>
+              </a:ext>
+            </a:extLst>
+          </p:cNvPr>
+          <p:cNvSpPr/>
+          <p:nvPr>
+            <p:extLst>
+              <p:ext uri="{386F3935-93C4-4BCD-93E2-E3B085C9AB24}">
+                <p16:designElem xmlns:p16="http://schemas.microsoft.com/office/powerpoint/2015/main" val="1"/>
+              </p:ext>
+            </p:extLst>
+          </p:nvPr>
+        </p:nvSpPr>
+        <p:spPr>
+          <a:xfrm>
+            <a:off x="0" y="0"/>
+            <a:ext cx="12192000" cy="6858000"/>
+          </a:xfrm>
+          <a:prstGeom prst="rect">
+            <a:avLst/>
+          </a:prstGeom>
+          <a:ln>
+            <a:noFill/>
+          </a:ln>
+        </p:spPr>
+        <p:style>
+          <a:lnRef idx="2">
+            <a:schemeClr val="accent1">
+              <a:shade val="50000"/>
+            </a:schemeClr>
+          </a:lnRef>
+          <a:fillRef idx="1">
+            <a:schemeClr val="accent1"/>
+          </a:fillRef>
+          <a:effectRef idx="0">
+            <a:schemeClr val="accent1"/>
+          </a:effectRef>
+          <a:fontRef idx="minor">
+            <a:schemeClr val="lt1"/>
+          </a:fontRef>
+        </p:style>
+        <p:txBody>
+          <a:bodyPr rtlCol="0" anchor="ctr"/>
+          <a:lstStyle/>
+          <a:p>
+            <a:pPr marL="0" marR="0" lvl="0" indent="0" algn="ctr" defTabSz="914400" rtl="0" eaLnBrk="1" fontAlgn="auto" latinLnBrk="0" hangingPunct="1">
+              <a:lnSpc>
+                <a:spcPct val="100000"/>
+              </a:lnSpc>
+              <a:spcBef>
+                <a:spcPts val="0"/>
+              </a:spcBef>
+              <a:spcAft>
+                <a:spcPts val="0"/>
+              </a:spcAft>
+              <a:buClrTx/>
+              <a:buSzTx/>
+              <a:buFontTx/>
+              <a:buNone/>
+              <a:tabLst/>
+              <a:defRPr/>
+            </a:pPr>
+            <a:endParaRPr kumimoji="0" lang="fr-FR" sz="1800" b="0" i="0" u="none" strike="noStrike" kern="1200" cap="none" spc="0" normalizeH="0" baseline="0" dirty="0">
+              <a:ln>
+                <a:noFill/>
+              </a:ln>
+              <a:solidFill>
+                <a:prstClr val="white"/>
+              </a:solidFill>
+              <a:effectLst/>
+              <a:uLnTx/>
+              <a:uFillTx/>
+              <a:latin typeface="Goudy Old Style"/>
+              <a:ea typeface="+mn-ea"/>
+              <a:cs typeface="+mn-cs"/>
+            </a:endParaRPr>
+          </a:p>
+        </p:txBody>
+      </p:sp>
+      <p:pic>
+        <p:nvPicPr>
+          <p:cNvPr id="4" name="Image 3">
+            <a:extLst>
+              <a:ext uri="{FF2B5EF4-FFF2-40B4-BE49-F238E27FC236}">
+                <a16:creationId xmlns:a16="http://schemas.microsoft.com/office/drawing/2014/main" id="{703B0A0B-602F-E1CB-3EB8-A29DC68F7DED}"/>
+              </a:ext>
+              <a:ext uri="{C183D7F6-B498-43B3-948B-1728B52AA6E4}">
+                <adec:decorative xmlns:adec="http://schemas.microsoft.com/office/drawing/2017/decorative" val="1"/>
+              </a:ext>
+            </a:extLst>
+          </p:cNvPr>
+          <p:cNvPicPr>
+            <a:picLocks noChangeAspect="1"/>
+          </p:cNvPicPr>
+          <p:nvPr/>
+        </p:nvPicPr>
+        <p:blipFill rotWithShape="1">
+          <a:blip r:embed="rId3">
+            <a:extLst>
+              <a:ext uri="{28A0092B-C50C-407E-A947-70E740481C1C}">
+                <a14:useLocalDpi xmlns:a14="http://schemas.microsoft.com/office/drawing/2010/main" val="0"/>
+              </a:ext>
+            </a:extLst>
+          </a:blip>
+          <a:srcRect b="-1"/>
+          <a:stretch/>
+        </p:blipFill>
+        <p:spPr>
+          <a:xfrm>
+            <a:off x="-8622" y="10"/>
+            <a:ext cx="6096000" cy="6857990"/>
+          </a:xfrm>
+          <a:prstGeom prst="rect">
+            <a:avLst/>
+          </a:prstGeom>
+        </p:spPr>
+      </p:pic>
+      <p:pic>
+        <p:nvPicPr>
+          <p:cNvPr id="6" name="Image 5">
+            <a:extLst>
+              <a:ext uri="{FF2B5EF4-FFF2-40B4-BE49-F238E27FC236}">
+                <a16:creationId xmlns:a16="http://schemas.microsoft.com/office/drawing/2014/main" id="{4D542F22-A356-7422-FB18-8DA772930451}"/>
+              </a:ext>
+              <a:ext uri="{C183D7F6-B498-43B3-948B-1728B52AA6E4}">
+                <adec:decorative xmlns:adec="http://schemas.microsoft.com/office/drawing/2017/decorative" val="1"/>
+              </a:ext>
+            </a:extLst>
+          </p:cNvPr>
+          <p:cNvPicPr/>
+          <p:nvPr>
+            <p:extLst>
+              <p:ext uri="{386F3935-93C4-4BCD-93E2-E3B085C9AB24}">
+                <p16:designElem xmlns:p16="http://schemas.microsoft.com/office/powerpoint/2015/main" val="1"/>
+              </p:ext>
+            </p:extLst>
+          </p:nvPr>
+        </p:nvPicPr>
+        <p:blipFill rotWithShape="1">
+          <a:blip r:embed="rId4">
+            <a:extLst>
+              <a:ext uri="{28A0092B-C50C-407E-A947-70E740481C1C}">
+                <a14:useLocalDpi xmlns:a14="http://schemas.microsoft.com/office/drawing/2010/main" val="0"/>
+              </a:ext>
+            </a:extLst>
+          </a:blip>
+          <a:srcRect/>
+          <a:stretch/>
+        </p:blipFill>
+        <p:spPr>
+          <a:xfrm>
+            <a:off x="6257026" y="1"/>
+            <a:ext cx="5934973" cy="6858000"/>
+          </a:xfrm>
+          <a:prstGeom prst="rect">
+            <a:avLst/>
+          </a:prstGeom>
+        </p:spPr>
+      </p:pic>
+      <p:sp>
+        <p:nvSpPr>
+          <p:cNvPr id="7" name="Titre 1">
+            <a:extLst>
+              <a:ext uri="{FF2B5EF4-FFF2-40B4-BE49-F238E27FC236}">
+                <a16:creationId xmlns:a16="http://schemas.microsoft.com/office/drawing/2014/main" id="{6845A543-052D-9BCD-0DF8-68422956F0EE}"/>
+              </a:ext>
+            </a:extLst>
+          </p:cNvPr>
+          <p:cNvSpPr txBox="1">
+            <a:spLocks/>
+          </p:cNvSpPr>
+          <p:nvPr/>
+        </p:nvSpPr>
+        <p:spPr>
+          <a:xfrm>
+            <a:off x="6502555" y="646987"/>
+            <a:ext cx="5443911" cy="970450"/>
+          </a:xfrm>
+          <a:prstGeom prst="rect">
+            <a:avLst/>
+          </a:prstGeom>
+          <a:effectLst>
+            <a:outerShdw blurRad="25400" dir="17880000">
+              <a:srgbClr val="000000">
+                <a:alpha val="46000"/>
+              </a:srgbClr>
+            </a:outerShdw>
+          </a:effectLst>
+        </p:spPr>
+        <p:txBody>
+          <a:bodyPr vert="horz" lIns="91440" tIns="45720" rIns="91440" bIns="45720" rtlCol="0" anchor="b">
+            <a:noAutofit/>
+          </a:bodyPr>
+          <a:lstStyle>
+            <a:lvl1pPr algn="ctr" defTabSz="457200" rtl="0" eaLnBrk="1" latinLnBrk="0" hangingPunct="1">
+              <a:spcBef>
+                <a:spcPct val="0"/>
+              </a:spcBef>
+              <a:buNone/>
+              <a:defRPr sz="4000" kern="1200">
+                <a:ln>
+                  <a:solidFill>
+                    <a:schemeClr val="bg1">
+                      <a:lumMod val="75000"/>
+                      <a:lumOff val="25000"/>
+                      <a:alpha val="10000"/>
+                    </a:schemeClr>
+                  </a:solidFill>
+                </a:ln>
+                <a:solidFill>
+                  <a:schemeClr val="tx2"/>
+                </a:solidFill>
+                <a:effectLst>
+                  <a:outerShdw blurRad="9525" dist="25400" dir="14640000" algn="tl" rotWithShape="0">
+                    <a:schemeClr val="bg1">
+                      <a:alpha val="30000"/>
+                    </a:schemeClr>
+                  </a:outerShdw>
+                </a:effectLst>
+                <a:latin typeface="+mj-lt"/>
+                <a:ea typeface="+mj-ea"/>
+                <a:cs typeface="Trebuchet MS"/>
+              </a:defRPr>
+            </a:lvl1pPr>
+            <a:lvl2pPr eaLnBrk="1" hangingPunct="1">
+              <a:defRPr>
+                <a:solidFill>
+                  <a:schemeClr val="tx2"/>
+                </a:solidFill>
+              </a:defRPr>
+            </a:lvl2pPr>
+            <a:lvl3pPr eaLnBrk="1" hangingPunct="1">
+              <a:defRPr>
+                <a:solidFill>
+                  <a:schemeClr val="tx2"/>
+                </a:solidFill>
+              </a:defRPr>
+            </a:lvl3pPr>
+            <a:lvl4pPr eaLnBrk="1" hangingPunct="1">
+              <a:defRPr>
+                <a:solidFill>
+                  <a:schemeClr val="tx2"/>
+                </a:solidFill>
+              </a:defRPr>
+            </a:lvl4pPr>
+            <a:lvl5pPr eaLnBrk="1" hangingPunct="1">
+              <a:defRPr>
+                <a:solidFill>
+                  <a:schemeClr val="tx2"/>
+                </a:solidFill>
+              </a:defRPr>
+            </a:lvl5pPr>
+            <a:lvl6pPr eaLnBrk="1" hangingPunct="1">
+              <a:defRPr>
+                <a:solidFill>
+                  <a:schemeClr val="tx2"/>
+                </a:solidFill>
+              </a:defRPr>
+            </a:lvl6pPr>
+            <a:lvl7pPr eaLnBrk="1" hangingPunct="1">
+              <a:defRPr>
+                <a:solidFill>
+                  <a:schemeClr val="tx2"/>
+                </a:solidFill>
+              </a:defRPr>
+            </a:lvl7pPr>
+            <a:lvl8pPr eaLnBrk="1" hangingPunct="1">
+              <a:defRPr>
+                <a:solidFill>
+                  <a:schemeClr val="tx2"/>
+                </a:solidFill>
+              </a:defRPr>
+            </a:lvl8pPr>
+            <a:lvl9pPr eaLnBrk="1" hangingPunct="1">
+              <a:defRPr>
+                <a:solidFill>
+                  <a:schemeClr val="tx2"/>
+                </a:solidFill>
+              </a:defRPr>
+            </a:lvl9pPr>
+          </a:lstStyle>
+          <a:p>
+            <a:pPr algn="l"/>
+            <a:r>
+              <a:rPr lang="fr-FR" sz="5400" b="1"/>
+              <a:t>Technologies</a:t>
+            </a:r>
+            <a:endParaRPr lang="fr-FR" sz="5400" b="1" dirty="0"/>
+          </a:p>
+        </p:txBody>
+      </p:sp>
+      <p:sp>
+        <p:nvSpPr>
+          <p:cNvPr id="8" name="Espace réservé du contenu 2">
+            <a:extLst>
+              <a:ext uri="{FF2B5EF4-FFF2-40B4-BE49-F238E27FC236}">
+                <a16:creationId xmlns:a16="http://schemas.microsoft.com/office/drawing/2014/main" id="{765AE692-482D-0611-1126-5B7418F84A78}"/>
+              </a:ext>
+            </a:extLst>
+          </p:cNvPr>
+          <p:cNvSpPr txBox="1">
+            <a:spLocks/>
+          </p:cNvSpPr>
+          <p:nvPr/>
+        </p:nvSpPr>
+        <p:spPr>
+          <a:xfrm>
+            <a:off x="6502556" y="1723118"/>
+            <a:ext cx="5443911" cy="4058751"/>
+          </a:xfrm>
+          <a:prstGeom prst="rect">
+            <a:avLst/>
+          </a:prstGeom>
+          <a:effectLst>
+            <a:outerShdw blurRad="25400" dir="17880000">
+              <a:srgbClr val="000000">
+                <a:alpha val="46000"/>
+              </a:srgbClr>
+            </a:outerShdw>
+          </a:effectLst>
+        </p:spPr>
+        <p:txBody>
+          <a:bodyPr vert="horz" lIns="91440" tIns="45720" rIns="91440" bIns="45720" rtlCol="0" anchor="t">
+            <a:normAutofit/>
+          </a:bodyPr>
+          <a:lstStyle>
+            <a:lvl1pPr marL="342900" indent="-306000" algn="l" defTabSz="457200" rtl="0" eaLnBrk="1" latinLnBrk="0" hangingPunct="1">
+              <a:spcBef>
+                <a:spcPct val="20000"/>
+              </a:spcBef>
+              <a:spcAft>
+                <a:spcPts val="600"/>
+              </a:spcAft>
+              <a:buClr>
+                <a:schemeClr val="tx2"/>
+              </a:buClr>
+              <a:buSzPct val="70000"/>
+              <a:buFont typeface="Wingdings 2" charset="2"/>
+              <a:buChar char=""/>
+              <a:defRPr sz="2000" kern="1200">
+                <a:ln>
+                  <a:solidFill>
+                    <a:schemeClr val="bg1">
+                      <a:lumMod val="75000"/>
+                      <a:lumOff val="25000"/>
+                      <a:alpha val="10000"/>
+                    </a:schemeClr>
+                  </a:solidFill>
+                </a:ln>
+                <a:solidFill>
+                  <a:schemeClr val="tx2"/>
+                </a:solidFill>
+                <a:effectLst>
+                  <a:outerShdw blurRad="9525" dist="25400" dir="14640000" algn="tl" rotWithShape="0">
+                    <a:schemeClr val="bg1">
+                      <a:alpha val="30000"/>
+                    </a:schemeClr>
+                  </a:outerShdw>
+                </a:effectLst>
+                <a:latin typeface="+mn-lt"/>
+                <a:ea typeface="+mn-ea"/>
+                <a:cs typeface="+mn-cs"/>
+              </a:defRPr>
+            </a:lvl1pPr>
+            <a:lvl2pPr marL="720000" indent="-270000" algn="l" defTabSz="457200" rtl="0" eaLnBrk="1" latinLnBrk="0" hangingPunct="1">
+              <a:spcBef>
+                <a:spcPct val="20000"/>
+              </a:spcBef>
+              <a:spcAft>
+                <a:spcPts val="600"/>
+              </a:spcAft>
+              <a:buClr>
+                <a:schemeClr val="tx2"/>
+              </a:buClr>
+              <a:buSzPct val="70000"/>
+              <a:buFont typeface="Wingdings 2" charset="2"/>
+              <a:buChar char=""/>
+              <a:defRPr sz="1800" kern="1200">
+                <a:ln>
+                  <a:solidFill>
+                    <a:schemeClr val="bg1">
+                      <a:lumMod val="75000"/>
+                      <a:lumOff val="25000"/>
+                      <a:alpha val="10000"/>
+                    </a:schemeClr>
+                  </a:solidFill>
+                </a:ln>
+                <a:solidFill>
+                  <a:schemeClr val="tx2"/>
+                </a:solidFill>
+                <a:effectLst>
+                  <a:outerShdw blurRad="9525" dist="25400" dir="14640000" algn="tl" rotWithShape="0">
+                    <a:schemeClr val="bg1">
+                      <a:alpha val="30000"/>
+                    </a:schemeClr>
+                  </a:outerShdw>
+                </a:effectLst>
+                <a:latin typeface="+mn-lt"/>
+                <a:ea typeface="+mn-ea"/>
+                <a:cs typeface="+mn-cs"/>
+              </a:defRPr>
+            </a:lvl2pPr>
+            <a:lvl3pPr marL="1026000" indent="-216000" algn="l" defTabSz="457200" rtl="0" eaLnBrk="1" latinLnBrk="0" hangingPunct="1">
+              <a:spcBef>
+                <a:spcPct val="20000"/>
+              </a:spcBef>
+              <a:spcAft>
+                <a:spcPts val="600"/>
+              </a:spcAft>
+              <a:buClr>
+                <a:schemeClr val="tx2"/>
+              </a:buClr>
+              <a:buSzPct val="70000"/>
+              <a:buFont typeface="Wingdings 2" charset="2"/>
+              <a:buChar char=""/>
+              <a:defRPr sz="1600" kern="1200">
+                <a:ln>
+                  <a:solidFill>
+                    <a:schemeClr val="bg1">
+                      <a:lumMod val="75000"/>
+                      <a:lumOff val="25000"/>
+                      <a:alpha val="10000"/>
+                    </a:schemeClr>
+                  </a:solidFill>
+                </a:ln>
+                <a:solidFill>
+                  <a:schemeClr val="tx2"/>
+                </a:solidFill>
+                <a:effectLst>
+                  <a:outerShdw blurRad="9525" dist="25400" dir="14640000" algn="tl" rotWithShape="0">
+                    <a:schemeClr val="bg1">
+                      <a:alpha val="30000"/>
+                    </a:schemeClr>
+                  </a:outerShdw>
+                </a:effectLst>
+                <a:latin typeface="+mn-lt"/>
+                <a:ea typeface="+mn-ea"/>
+                <a:cs typeface="+mn-cs"/>
+              </a:defRPr>
+            </a:lvl3pPr>
+            <a:lvl4pPr marL="1386000" indent="-216000" algn="l" defTabSz="457200" rtl="0" eaLnBrk="1" latinLnBrk="0" hangingPunct="1">
+              <a:spcBef>
+                <a:spcPct val="20000"/>
+              </a:spcBef>
+              <a:spcAft>
+                <a:spcPts val="600"/>
+              </a:spcAft>
+              <a:buClr>
+                <a:schemeClr val="tx2"/>
+              </a:buClr>
+              <a:buSzPct val="70000"/>
+              <a:buFont typeface="Wingdings 2" charset="2"/>
+              <a:buChar char=""/>
+              <a:defRPr sz="1400" kern="1200">
+                <a:ln>
+                  <a:solidFill>
+                    <a:schemeClr val="bg1">
+                      <a:lumMod val="75000"/>
+                      <a:lumOff val="25000"/>
+                      <a:alpha val="10000"/>
+                    </a:schemeClr>
+                  </a:solidFill>
+                </a:ln>
+                <a:solidFill>
+                  <a:schemeClr val="tx2"/>
+                </a:solidFill>
+                <a:effectLst>
+                  <a:outerShdw blurRad="9525" dist="25400" dir="14640000" algn="tl" rotWithShape="0">
+                    <a:schemeClr val="bg1">
+                      <a:alpha val="30000"/>
+                    </a:schemeClr>
+                  </a:outerShdw>
+                </a:effectLst>
+                <a:latin typeface="+mn-lt"/>
+                <a:ea typeface="+mn-ea"/>
+                <a:cs typeface="+mn-cs"/>
+              </a:defRPr>
+            </a:lvl4pPr>
+            <a:lvl5pPr marL="1674000" indent="-216000" algn="l" defTabSz="457200" rtl="0" eaLnBrk="1" latinLnBrk="0" hangingPunct="1">
+              <a:spcBef>
+                <a:spcPct val="20000"/>
+              </a:spcBef>
+              <a:spcAft>
+                <a:spcPts val="600"/>
+              </a:spcAft>
+              <a:buClr>
+                <a:schemeClr val="tx2"/>
+              </a:buClr>
+              <a:buSzPct val="70000"/>
+              <a:buFont typeface="Wingdings 2" charset="2"/>
+              <a:buChar char=""/>
+              <a:defRPr sz="1400" kern="1200">
+                <a:ln>
+                  <a:solidFill>
+                    <a:schemeClr val="bg1">
+                      <a:lumMod val="75000"/>
+                      <a:lumOff val="25000"/>
+                      <a:alpha val="10000"/>
+                    </a:schemeClr>
+                  </a:solidFill>
+                </a:ln>
+                <a:solidFill>
+                  <a:schemeClr val="tx2"/>
+                </a:solidFill>
+                <a:effectLst>
+                  <a:outerShdw blurRad="9525" dist="25400" dir="14640000" algn="tl" rotWithShape="0">
+                    <a:schemeClr val="bg1">
+                      <a:alpha val="30000"/>
+                    </a:schemeClr>
+                  </a:outerShdw>
+                </a:effectLst>
+                <a:latin typeface="+mn-lt"/>
+                <a:ea typeface="+mn-ea"/>
+                <a:cs typeface="+mn-cs"/>
+              </a:defRPr>
+            </a:lvl5pPr>
+            <a:lvl6pPr marL="2014600" indent="-228600" algn="l" defTabSz="457200" rtl="0" eaLnBrk="1" latinLnBrk="0" hangingPunct="1">
+              <a:spcBef>
+                <a:spcPct val="20000"/>
+              </a:spcBef>
+              <a:spcAft>
+                <a:spcPts val="600"/>
+              </a:spcAft>
+              <a:buClr>
+                <a:schemeClr val="tx2"/>
+              </a:buClr>
+              <a:buSzPct val="70000"/>
+              <a:buFont typeface="Wingdings 2" charset="2"/>
+              <a:buChar char=""/>
+              <a:defRPr sz="1400" kern="1200">
+                <a:ln>
+                  <a:solidFill>
+                    <a:schemeClr val="bg1">
+                      <a:lumMod val="75000"/>
+                      <a:lumOff val="25000"/>
+                      <a:alpha val="10000"/>
+                    </a:schemeClr>
+                  </a:solidFill>
+                </a:ln>
+                <a:solidFill>
+                  <a:schemeClr val="tx2"/>
+                </a:solidFill>
+                <a:effectLst>
+                  <a:outerShdw blurRad="9525" dist="25400" dir="14640000" algn="tl" rotWithShape="0">
+                    <a:schemeClr val="bg1">
+                      <a:alpha val="30000"/>
+                    </a:schemeClr>
+                  </a:outerShdw>
+                </a:effectLst>
+                <a:latin typeface="+mn-lt"/>
+                <a:ea typeface="+mn-ea"/>
+                <a:cs typeface="+mn-cs"/>
+              </a:defRPr>
+            </a:lvl6pPr>
+            <a:lvl7pPr marL="2401800" indent="-228600" algn="l" defTabSz="457200" rtl="0" eaLnBrk="1" latinLnBrk="0" hangingPunct="1">
+              <a:spcBef>
+                <a:spcPct val="20000"/>
+              </a:spcBef>
+              <a:spcAft>
+                <a:spcPts val="600"/>
+              </a:spcAft>
+              <a:buClr>
+                <a:schemeClr val="tx2"/>
+              </a:buClr>
+              <a:buSzPct val="70000"/>
+              <a:buFont typeface="Wingdings 2" charset="2"/>
+              <a:buChar char=""/>
+              <a:defRPr sz="1400" kern="1200">
+                <a:ln>
+                  <a:solidFill>
+                    <a:schemeClr val="bg1">
+                      <a:lumMod val="75000"/>
+                      <a:lumOff val="25000"/>
+                      <a:alpha val="10000"/>
+                    </a:schemeClr>
+                  </a:solidFill>
+                </a:ln>
+                <a:solidFill>
+                  <a:schemeClr val="tx2"/>
+                </a:solidFill>
+                <a:effectLst>
+                  <a:outerShdw blurRad="9525" dist="25400" dir="14640000" algn="tl" rotWithShape="0">
+                    <a:schemeClr val="bg1">
+                      <a:alpha val="30000"/>
+                    </a:schemeClr>
+                  </a:outerShdw>
+                </a:effectLst>
+                <a:latin typeface="+mn-lt"/>
+                <a:ea typeface="+mn-ea"/>
+                <a:cs typeface="+mn-cs"/>
+              </a:defRPr>
+            </a:lvl7pPr>
+            <a:lvl8pPr marL="2789000" indent="-228600" algn="l" defTabSz="457200" rtl="0" eaLnBrk="1" latinLnBrk="0" hangingPunct="1">
+              <a:spcBef>
+                <a:spcPct val="20000"/>
+              </a:spcBef>
+              <a:spcAft>
+                <a:spcPts val="600"/>
+              </a:spcAft>
+              <a:buClr>
+                <a:schemeClr val="tx2"/>
+              </a:buClr>
+              <a:buSzPct val="70000"/>
+              <a:buFont typeface="Wingdings 2" charset="2"/>
+              <a:buChar char=""/>
+              <a:defRPr sz="1400" kern="1200">
+                <a:ln>
+                  <a:solidFill>
+                    <a:schemeClr val="bg1">
+                      <a:lumMod val="75000"/>
+                      <a:lumOff val="25000"/>
+                      <a:alpha val="10000"/>
+                    </a:schemeClr>
+                  </a:solidFill>
+                </a:ln>
+                <a:solidFill>
+                  <a:schemeClr val="tx2"/>
+                </a:solidFill>
+                <a:effectLst>
+                  <a:outerShdw blurRad="9525" dist="25400" dir="14640000" algn="tl" rotWithShape="0">
+                    <a:schemeClr val="bg1">
+                      <a:alpha val="30000"/>
+                    </a:schemeClr>
+                  </a:outerShdw>
+                </a:effectLst>
+                <a:latin typeface="+mn-lt"/>
+                <a:ea typeface="+mn-ea"/>
+                <a:cs typeface="+mn-cs"/>
+              </a:defRPr>
+            </a:lvl8pPr>
+            <a:lvl9pPr marL="3106200" indent="-228600" algn="l" defTabSz="457200" rtl="0" eaLnBrk="1" latinLnBrk="0" hangingPunct="1">
+              <a:spcBef>
+                <a:spcPct val="20000"/>
+              </a:spcBef>
+              <a:spcAft>
+                <a:spcPts val="600"/>
+              </a:spcAft>
+              <a:buClr>
+                <a:schemeClr val="tx2"/>
+              </a:buClr>
+              <a:buSzPct val="70000"/>
+              <a:buFont typeface="Wingdings 2" charset="2"/>
+              <a:buChar char=""/>
+              <a:defRPr sz="1400" kern="1200">
+                <a:ln>
+                  <a:solidFill>
+                    <a:schemeClr val="bg1">
+                      <a:lumMod val="75000"/>
+                      <a:lumOff val="25000"/>
+                      <a:alpha val="10000"/>
+                    </a:schemeClr>
+                  </a:solidFill>
+                </a:ln>
+                <a:solidFill>
+                  <a:schemeClr val="tx2"/>
+                </a:solidFill>
+                <a:effectLst>
+                  <a:outerShdw blurRad="9525" dist="25400" dir="14640000" algn="tl" rotWithShape="0">
+                    <a:schemeClr val="bg1">
+                      <a:alpha val="30000"/>
+                    </a:schemeClr>
+                  </a:outerShdw>
+                </a:effectLst>
+                <a:latin typeface="+mn-lt"/>
+                <a:ea typeface="+mn-ea"/>
+                <a:cs typeface="+mn-cs"/>
+              </a:defRPr>
+            </a:lvl9pPr>
+          </a:lstStyle>
+          <a:p>
+            <a:r>
+              <a:rPr lang="fr-FR" sz="2400" dirty="0"/>
+              <a:t>SQL</a:t>
+            </a:r>
+          </a:p>
+          <a:p>
+            <a:r>
+              <a:rPr lang="fr-FR" sz="2400" dirty="0"/>
+              <a:t>MySQL</a:t>
+            </a:r>
+          </a:p>
+          <a:p>
+            <a:r>
+              <a:rPr lang="fr-FR" sz="2400" dirty="0"/>
+              <a:t>PHP (</a:t>
+            </a:r>
+            <a:r>
+              <a:rPr lang="fr-FR" sz="2400" dirty="0" err="1"/>
+              <a:t>phpmyadmin</a:t>
+            </a:r>
+            <a:r>
+              <a:rPr lang="fr-FR" sz="2400" dirty="0"/>
+              <a:t>)</a:t>
+            </a:r>
+          </a:p>
+        </p:txBody>
+      </p:sp>
+      <p:pic>
+        <p:nvPicPr>
+          <p:cNvPr id="9" name="Image 8">
+            <a:extLst>
+              <a:ext uri="{FF2B5EF4-FFF2-40B4-BE49-F238E27FC236}">
+                <a16:creationId xmlns:a16="http://schemas.microsoft.com/office/drawing/2014/main" id="{54C3B304-D94E-A36C-63AA-E4FE545542CC}"/>
+              </a:ext>
+            </a:extLst>
+          </p:cNvPr>
+          <p:cNvPicPr>
+            <a:picLocks noChangeAspect="1"/>
+          </p:cNvPicPr>
+          <p:nvPr/>
+        </p:nvPicPr>
+        <p:blipFill>
+          <a:blip r:embed="rId5"/>
+          <a:stretch>
+            <a:fillRect/>
+          </a:stretch>
+        </p:blipFill>
+        <p:spPr>
+          <a:xfrm>
+            <a:off x="245534" y="361233"/>
+            <a:ext cx="2399593" cy="1256204"/>
+          </a:xfrm>
+          <a:prstGeom prst="rect">
+            <a:avLst/>
+          </a:prstGeom>
+        </p:spPr>
+      </p:pic>
+      <p:pic>
+        <p:nvPicPr>
+          <p:cNvPr id="10" name="Image 9">
+            <a:extLst>
+              <a:ext uri="{FF2B5EF4-FFF2-40B4-BE49-F238E27FC236}">
+                <a16:creationId xmlns:a16="http://schemas.microsoft.com/office/drawing/2014/main" id="{448ECB52-F62E-118E-6C64-36F486BC55D2}"/>
+              </a:ext>
+            </a:extLst>
+          </p:cNvPr>
+          <p:cNvPicPr>
+            <a:picLocks noChangeAspect="1"/>
+          </p:cNvPicPr>
+          <p:nvPr/>
+        </p:nvPicPr>
+        <p:blipFill>
+          <a:blip r:embed="rId6"/>
+          <a:stretch>
+            <a:fillRect/>
+          </a:stretch>
+        </p:blipFill>
+        <p:spPr>
+          <a:xfrm>
+            <a:off x="1543337" y="361233"/>
+            <a:ext cx="4241643" cy="2195050"/>
+          </a:xfrm>
+          <a:prstGeom prst="rect">
+            <a:avLst/>
+          </a:prstGeom>
+        </p:spPr>
+      </p:pic>
+      <p:pic>
+        <p:nvPicPr>
+          <p:cNvPr id="11" name="Image 10">
+            <a:extLst>
+              <a:ext uri="{FF2B5EF4-FFF2-40B4-BE49-F238E27FC236}">
+                <a16:creationId xmlns:a16="http://schemas.microsoft.com/office/drawing/2014/main" id="{5B230010-DC03-41FA-8B8E-F59804E5E3BB}"/>
+              </a:ext>
+            </a:extLst>
+          </p:cNvPr>
+          <p:cNvPicPr>
+            <a:picLocks noChangeAspect="1"/>
+          </p:cNvPicPr>
+          <p:nvPr/>
+        </p:nvPicPr>
+        <p:blipFill>
+          <a:blip r:embed="rId7"/>
+          <a:stretch>
+            <a:fillRect/>
+          </a:stretch>
+        </p:blipFill>
+        <p:spPr>
+          <a:xfrm>
+            <a:off x="183825" y="2556283"/>
+            <a:ext cx="2944688" cy="1590821"/>
+          </a:xfrm>
+          <a:prstGeom prst="rect">
+            <a:avLst/>
+          </a:prstGeom>
+        </p:spPr>
+      </p:pic>
+      <p:pic>
+        <p:nvPicPr>
+          <p:cNvPr id="14" name="Image 13" descr="Une image contenant texte, embarcation, navire de navigation&#10;&#10;Description générée automatiquement">
+            <a:extLst>
+              <a:ext uri="{FF2B5EF4-FFF2-40B4-BE49-F238E27FC236}">
+                <a16:creationId xmlns:a16="http://schemas.microsoft.com/office/drawing/2014/main" id="{90A74A2E-2544-41C5-F813-2B539DDB140C}"/>
+              </a:ext>
+            </a:extLst>
+          </p:cNvPr>
+          <p:cNvPicPr>
+            <a:picLocks noChangeAspect="1"/>
+          </p:cNvPicPr>
+          <p:nvPr/>
+        </p:nvPicPr>
+        <p:blipFill>
+          <a:blip r:embed="rId8">
+            <a:extLst>
+              <a:ext uri="{28A0092B-C50C-407E-A947-70E740481C1C}">
+                <a14:useLocalDpi xmlns:a14="http://schemas.microsoft.com/office/drawing/2010/main" val="0"/>
+              </a:ext>
+            </a:extLst>
+          </a:blip>
+          <a:srcRect/>
+          <a:stretch>
+            <a:fillRect/>
+          </a:stretch>
+        </p:blipFill>
+        <p:spPr bwMode="auto">
+          <a:xfrm>
+            <a:off x="1216144" y="4807695"/>
+            <a:ext cx="2694305" cy="1590675"/>
+          </a:xfrm>
+          <a:prstGeom prst="rect">
+            <a:avLst/>
+          </a:prstGeom>
+          <a:noFill/>
+          <a:ln>
+            <a:noFill/>
+          </a:ln>
+        </p:spPr>
+      </p:pic>
     </p:spTree>
     <p:extLst>
       <p:ext uri="{BB962C8B-B14F-4D97-AF65-F5344CB8AC3E}">
@@ -7486,6 +8431,327 @@
   <p:clrMapOvr>
     <a:masterClrMapping/>
   </p:clrMapOvr>
+  <p:timing>
+    <p:tnLst>
+      <p:par>
+        <p:cTn id="1" dur="indefinite" restart="never" nodeType="tmRoot">
+          <p:childTnLst>
+            <p:seq concurrent="1" nextAc="seek">
+              <p:cTn id="2" dur="indefinite" nodeType="mainSeq">
+                <p:childTnLst>
+                  <p:par>
+                    <p:cTn id="3" fill="hold">
+                      <p:stCondLst>
+                        <p:cond delay="indefinite"/>
+                      </p:stCondLst>
+                      <p:childTnLst>
+                        <p:par>
+                          <p:cTn id="4" fill="hold">
+                            <p:stCondLst>
+                              <p:cond delay="0"/>
+                            </p:stCondLst>
+                            <p:childTnLst>
+                              <p:par>
+                                <p:cTn id="5" presetID="10" presetClass="entr" presetSubtype="0" fill="hold" grpId="0" nodeType="clickEffect">
+                                  <p:stCondLst>
+                                    <p:cond delay="0"/>
+                                  </p:stCondLst>
+                                  <p:childTnLst>
+                                    <p:set>
+                                      <p:cBhvr>
+                                        <p:cTn id="6" dur="1" fill="hold">
+                                          <p:stCondLst>
+                                            <p:cond delay="0"/>
+                                          </p:stCondLst>
+                                        </p:cTn>
+                                        <p:tgtEl>
+                                          <p:spTgt spid="8">
+                                            <p:txEl>
+                                              <p:pRg st="0" end="0"/>
+                                            </p:txEl>
+                                          </p:spTgt>
+                                        </p:tgtEl>
+                                        <p:attrNameLst>
+                                          <p:attrName>style.visibility</p:attrName>
+                                        </p:attrNameLst>
+                                      </p:cBhvr>
+                                      <p:to>
+                                        <p:strVal val="visible"/>
+                                      </p:to>
+                                    </p:set>
+                                    <p:animEffect transition="in" filter="fade">
+                                      <p:cBhvr>
+                                        <p:cTn id="7" dur="500"/>
+                                        <p:tgtEl>
+                                          <p:spTgt spid="8">
+                                            <p:txEl>
+                                              <p:pRg st="0" end="0"/>
+                                            </p:txEl>
+                                          </p:spTgt>
+                                        </p:tgtEl>
+                                      </p:cBhvr>
+                                    </p:animEffect>
+                                  </p:childTnLst>
+                                </p:cTn>
+                              </p:par>
+                              <p:par>
+                                <p:cTn id="8" presetID="10" presetClass="entr" presetSubtype="0" fill="hold" nodeType="withEffect">
+                                  <p:stCondLst>
+                                    <p:cond delay="0"/>
+                                  </p:stCondLst>
+                                  <p:childTnLst>
+                                    <p:set>
+                                      <p:cBhvr>
+                                        <p:cTn id="9" dur="1" fill="hold">
+                                          <p:stCondLst>
+                                            <p:cond delay="0"/>
+                                          </p:stCondLst>
+                                        </p:cTn>
+                                        <p:tgtEl>
+                                          <p:spTgt spid="9"/>
+                                        </p:tgtEl>
+                                        <p:attrNameLst>
+                                          <p:attrName>style.visibility</p:attrName>
+                                        </p:attrNameLst>
+                                      </p:cBhvr>
+                                      <p:to>
+                                        <p:strVal val="visible"/>
+                                      </p:to>
+                                    </p:set>
+                                    <p:animEffect transition="in" filter="fade">
+                                      <p:cBhvr>
+                                        <p:cTn id="10" dur="500"/>
+                                        <p:tgtEl>
+                                          <p:spTgt spid="9"/>
+                                        </p:tgtEl>
+                                      </p:cBhvr>
+                                    </p:animEffect>
+                                  </p:childTnLst>
+                                </p:cTn>
+                              </p:par>
+                            </p:childTnLst>
+                          </p:cTn>
+                        </p:par>
+                      </p:childTnLst>
+                    </p:cTn>
+                  </p:par>
+                  <p:par>
+                    <p:cTn id="11" fill="hold">
+                      <p:stCondLst>
+                        <p:cond delay="indefinite"/>
+                      </p:stCondLst>
+                      <p:childTnLst>
+                        <p:par>
+                          <p:cTn id="12" fill="hold">
+                            <p:stCondLst>
+                              <p:cond delay="0"/>
+                            </p:stCondLst>
+                            <p:childTnLst>
+                              <p:par>
+                                <p:cTn id="13" presetID="10" presetClass="entr" presetSubtype="0" fill="hold" grpId="0" nodeType="clickEffect">
+                                  <p:stCondLst>
+                                    <p:cond delay="0"/>
+                                  </p:stCondLst>
+                                  <p:childTnLst>
+                                    <p:set>
+                                      <p:cBhvr>
+                                        <p:cTn id="14" dur="1" fill="hold">
+                                          <p:stCondLst>
+                                            <p:cond delay="0"/>
+                                          </p:stCondLst>
+                                        </p:cTn>
+                                        <p:tgtEl>
+                                          <p:spTgt spid="8">
+                                            <p:txEl>
+                                              <p:pRg st="1" end="1"/>
+                                            </p:txEl>
+                                          </p:spTgt>
+                                        </p:tgtEl>
+                                        <p:attrNameLst>
+                                          <p:attrName>style.visibility</p:attrName>
+                                        </p:attrNameLst>
+                                      </p:cBhvr>
+                                      <p:to>
+                                        <p:strVal val="visible"/>
+                                      </p:to>
+                                    </p:set>
+                                    <p:animEffect transition="in" filter="fade">
+                                      <p:cBhvr>
+                                        <p:cTn id="15" dur="500"/>
+                                        <p:tgtEl>
+                                          <p:spTgt spid="8">
+                                            <p:txEl>
+                                              <p:pRg st="1" end="1"/>
+                                            </p:txEl>
+                                          </p:spTgt>
+                                        </p:tgtEl>
+                                      </p:cBhvr>
+                                    </p:animEffect>
+                                  </p:childTnLst>
+                                </p:cTn>
+                              </p:par>
+                              <p:par>
+                                <p:cTn id="16" presetID="10" presetClass="entr" presetSubtype="0" fill="hold" nodeType="withEffect">
+                                  <p:stCondLst>
+                                    <p:cond delay="0"/>
+                                  </p:stCondLst>
+                                  <p:childTnLst>
+                                    <p:set>
+                                      <p:cBhvr>
+                                        <p:cTn id="17" dur="1" fill="hold">
+                                          <p:stCondLst>
+                                            <p:cond delay="0"/>
+                                          </p:stCondLst>
+                                        </p:cTn>
+                                        <p:tgtEl>
+                                          <p:spTgt spid="10"/>
+                                        </p:tgtEl>
+                                        <p:attrNameLst>
+                                          <p:attrName>style.visibility</p:attrName>
+                                        </p:attrNameLst>
+                                      </p:cBhvr>
+                                      <p:to>
+                                        <p:strVal val="visible"/>
+                                      </p:to>
+                                    </p:set>
+                                    <p:animEffect transition="in" filter="fade">
+                                      <p:cBhvr>
+                                        <p:cTn id="18" dur="500"/>
+                                        <p:tgtEl>
+                                          <p:spTgt spid="10"/>
+                                        </p:tgtEl>
+                                      </p:cBhvr>
+                                    </p:animEffect>
+                                  </p:childTnLst>
+                                </p:cTn>
+                              </p:par>
+                            </p:childTnLst>
+                          </p:cTn>
+                        </p:par>
+                      </p:childTnLst>
+                    </p:cTn>
+                  </p:par>
+                  <p:par>
+                    <p:cTn id="19" fill="hold">
+                      <p:stCondLst>
+                        <p:cond delay="indefinite"/>
+                      </p:stCondLst>
+                      <p:childTnLst>
+                        <p:par>
+                          <p:cTn id="20" fill="hold">
+                            <p:stCondLst>
+                              <p:cond delay="0"/>
+                            </p:stCondLst>
+                            <p:childTnLst>
+                              <p:par>
+                                <p:cTn id="21" presetID="10" presetClass="entr" presetSubtype="0" fill="hold" grpId="0" nodeType="clickEffect">
+                                  <p:stCondLst>
+                                    <p:cond delay="0"/>
+                                  </p:stCondLst>
+                                  <p:childTnLst>
+                                    <p:set>
+                                      <p:cBhvr>
+                                        <p:cTn id="22" dur="1" fill="hold">
+                                          <p:stCondLst>
+                                            <p:cond delay="0"/>
+                                          </p:stCondLst>
+                                        </p:cTn>
+                                        <p:tgtEl>
+                                          <p:spTgt spid="8">
+                                            <p:txEl>
+                                              <p:pRg st="2" end="2"/>
+                                            </p:txEl>
+                                          </p:spTgt>
+                                        </p:tgtEl>
+                                        <p:attrNameLst>
+                                          <p:attrName>style.visibility</p:attrName>
+                                        </p:attrNameLst>
+                                      </p:cBhvr>
+                                      <p:to>
+                                        <p:strVal val="visible"/>
+                                      </p:to>
+                                    </p:set>
+                                    <p:animEffect transition="in" filter="fade">
+                                      <p:cBhvr>
+                                        <p:cTn id="23" dur="500"/>
+                                        <p:tgtEl>
+                                          <p:spTgt spid="8">
+                                            <p:txEl>
+                                              <p:pRg st="2" end="2"/>
+                                            </p:txEl>
+                                          </p:spTgt>
+                                        </p:tgtEl>
+                                      </p:cBhvr>
+                                    </p:animEffect>
+                                  </p:childTnLst>
+                                </p:cTn>
+                              </p:par>
+                              <p:par>
+                                <p:cTn id="24" presetID="10" presetClass="entr" presetSubtype="0" fill="hold" nodeType="withEffect">
+                                  <p:stCondLst>
+                                    <p:cond delay="0"/>
+                                  </p:stCondLst>
+                                  <p:childTnLst>
+                                    <p:set>
+                                      <p:cBhvr>
+                                        <p:cTn id="25" dur="1" fill="hold">
+                                          <p:stCondLst>
+                                            <p:cond delay="0"/>
+                                          </p:stCondLst>
+                                        </p:cTn>
+                                        <p:tgtEl>
+                                          <p:spTgt spid="11"/>
+                                        </p:tgtEl>
+                                        <p:attrNameLst>
+                                          <p:attrName>style.visibility</p:attrName>
+                                        </p:attrNameLst>
+                                      </p:cBhvr>
+                                      <p:to>
+                                        <p:strVal val="visible"/>
+                                      </p:to>
+                                    </p:set>
+                                    <p:animEffect transition="in" filter="fade">
+                                      <p:cBhvr>
+                                        <p:cTn id="26" dur="500"/>
+                                        <p:tgtEl>
+                                          <p:spTgt spid="11"/>
+                                        </p:tgtEl>
+                                      </p:cBhvr>
+                                    </p:animEffect>
+                                  </p:childTnLst>
+                                </p:cTn>
+                              </p:par>
+                            </p:childTnLst>
+                          </p:cTn>
+                        </p:par>
+                      </p:childTnLst>
+                    </p:cTn>
+                  </p:par>
+                </p:childTnLst>
+              </p:cTn>
+              <p:prevCondLst>
+                <p:cond evt="onPrev" delay="0">
+                  <p:tgtEl>
+                    <p:sldTgt/>
+                  </p:tgtEl>
+                </p:cond>
+              </p:prevCondLst>
+              <p:nextCondLst>
+                <p:cond evt="onNext" delay="0">
+                  <p:tgtEl>
+                    <p:sldTgt/>
+                  </p:tgtEl>
+                </p:cond>
+              </p:nextCondLst>
+            </p:seq>
+          </p:childTnLst>
+        </p:cTn>
+      </p:par>
+    </p:tnLst>
+    <p:bldLst>
+      <p:bldP spid="8" grpId="0" uiExpand="1" build="p"/>
+    </p:bldLst>
+  </p:timing>
 </p:sld>
 </file>
 
